--- a/Final Powerpoint_Radhika.pptx
+++ b/Final Powerpoint_Radhika.pptx
@@ -17,15 +17,14 @@
     <p:sldId id="278" r:id="rId11"/>
     <p:sldId id="280" r:id="rId12"/>
     <p:sldId id="268" r:id="rId13"/>
-    <p:sldId id="266" r:id="rId14"/>
-    <p:sldId id="283" r:id="rId15"/>
-    <p:sldId id="267" r:id="rId16"/>
-    <p:sldId id="284" r:id="rId17"/>
-    <p:sldId id="281" r:id="rId18"/>
-    <p:sldId id="269" r:id="rId19"/>
-    <p:sldId id="262" r:id="rId20"/>
-    <p:sldId id="263" r:id="rId21"/>
-    <p:sldId id="265" r:id="rId22"/>
+    <p:sldId id="283" r:id="rId14"/>
+    <p:sldId id="267" r:id="rId15"/>
+    <p:sldId id="284" r:id="rId16"/>
+    <p:sldId id="281" r:id="rId17"/>
+    <p:sldId id="269" r:id="rId18"/>
+    <p:sldId id="262" r:id="rId19"/>
+    <p:sldId id="263" r:id="rId20"/>
+    <p:sldId id="265" r:id="rId21"/>
   </p:sldIdLst>
   <p:sldSz cx="12192000" cy="6858000"/>
   <p:notesSz cx="6858000" cy="9144000"/>
@@ -3761,7 +3760,7 @@
         <p:spPr>
           <a:xfrm>
             <a:off x="0" y="2135147"/>
-            <a:ext cx="6467811" cy="3918334"/>
+            <a:ext cx="6014719" cy="3918334"/>
           </a:xfrm>
           <a:prstGeom prst="rect">
             <a:avLst/>
@@ -3790,8 +3789,8 @@
         </p:blipFill>
         <p:spPr>
           <a:xfrm>
-            <a:off x="6662079" y="2044318"/>
-            <a:ext cx="5529921" cy="4009163"/>
+            <a:off x="6177281" y="2044318"/>
+            <a:ext cx="6014720" cy="4009163"/>
           </a:xfrm>
           <a:prstGeom prst="rect">
             <a:avLst/>
@@ -3892,8 +3891,8 @@
         </p:blipFill>
         <p:spPr>
           <a:xfrm>
-            <a:off x="979386" y="2155562"/>
-            <a:ext cx="6560126" cy="3681062"/>
+            <a:off x="979385" y="2001520"/>
+            <a:ext cx="6636439" cy="3835104"/>
           </a:xfrm>
           <a:prstGeom prst="rect">
             <a:avLst/>
@@ -3924,9 +3923,39 @@
         </p:blipFill>
         <p:spPr>
           <a:xfrm>
-            <a:off x="7942907" y="2486856"/>
-            <a:ext cx="3696959" cy="3018473"/>
-          </a:xfrm>
+            <a:off x="7800667" y="1229360"/>
+            <a:ext cx="3913813" cy="2326640"/>
+          </a:xfrm>
+        </p:spPr>
+      </p:pic>
+      <p:pic>
+        <p:nvPicPr>
+          <p:cNvPr id="5" name="Picture 4">
+            <a:extLst>
+              <a:ext uri="{FF2B5EF4-FFF2-40B4-BE49-F238E27FC236}">
+                <a16:creationId xmlns:a16="http://schemas.microsoft.com/office/drawing/2014/main" id="{FEC64A40-80DC-AC26-1D34-301C0FABA8EA}"/>
+              </a:ext>
+            </a:extLst>
+          </p:cNvPr>
+          <p:cNvPicPr>
+            <a:picLocks noChangeAspect="1"/>
+          </p:cNvPicPr>
+          <p:nvPr/>
+        </p:nvPicPr>
+        <p:blipFill>
+          <a:blip r:embed="rId4"/>
+          <a:stretch>
+            <a:fillRect/>
+          </a:stretch>
+        </p:blipFill>
+        <p:spPr>
+          <a:xfrm>
+            <a:off x="7800667" y="3627121"/>
+            <a:ext cx="3913813" cy="2209503"/>
+          </a:xfrm>
+          <a:prstGeom prst="rect">
+            <a:avLst/>
+          </a:prstGeom>
         </p:spPr>
       </p:pic>
     </p:spTree>
@@ -4011,8 +4040,38 @@
         </p:blipFill>
         <p:spPr>
           <a:xfrm>
-            <a:off x="2757505" y="2005446"/>
+            <a:off x="1451579" y="2107987"/>
             <a:ext cx="6676990" cy="3945494"/>
+          </a:xfrm>
+          <a:prstGeom prst="rect">
+            <a:avLst/>
+          </a:prstGeom>
+        </p:spPr>
+      </p:pic>
+      <p:pic>
+        <p:nvPicPr>
+          <p:cNvPr id="7" name="Picture 6">
+            <a:extLst>
+              <a:ext uri="{FF2B5EF4-FFF2-40B4-BE49-F238E27FC236}">
+                <a16:creationId xmlns:a16="http://schemas.microsoft.com/office/drawing/2014/main" id="{2E4161FB-E112-BE74-15A2-F9F13F2D79A0}"/>
+              </a:ext>
+            </a:extLst>
+          </p:cNvPr>
+          <p:cNvPicPr>
+            <a:picLocks noChangeAspect="1"/>
+          </p:cNvPicPr>
+          <p:nvPr/>
+        </p:nvPicPr>
+        <p:blipFill>
+          <a:blip r:embed="rId3"/>
+          <a:stretch>
+            <a:fillRect/>
+          </a:stretch>
+        </p:blipFill>
+        <p:spPr>
+          <a:xfrm>
+            <a:off x="8311457" y="2044628"/>
+            <a:ext cx="2428964" cy="3945493"/>
           </a:xfrm>
           <a:prstGeom prst="rect">
             <a:avLst/>
@@ -4054,7 +4113,7 @@
           <p:cNvPr id="2" name="Title 1">
             <a:extLst>
               <a:ext uri="{FF2B5EF4-FFF2-40B4-BE49-F238E27FC236}">
-                <a16:creationId xmlns:a16="http://schemas.microsoft.com/office/drawing/2014/main" id="{C5D4C44F-EC46-7351-34CC-A591CC44BE52}"/>
+                <a16:creationId xmlns:a16="http://schemas.microsoft.com/office/drawing/2014/main" id="{F837AC45-576E-1A04-34F3-5CB9DF4B8B4C}"/>
               </a:ext>
             </a:extLst>
           </p:cNvPr>
@@ -4065,24 +4124,30 @@
             <p:ph type="title"/>
           </p:nvPr>
         </p:nvSpPr>
-        <p:spPr/>
+        <p:spPr>
+          <a:xfrm>
+            <a:off x="1427931" y="482089"/>
+            <a:ext cx="9603275" cy="1049235"/>
+          </a:xfrm>
+        </p:spPr>
         <p:txBody>
           <a:bodyPr/>
           <a:lstStyle/>
           <a:p>
             <a:r>
-              <a:rPr lang="en-AU" cap="none" dirty="0"/>
-              <a:t>Australia GDP per Capita Growth Rate Percentage from 2010 to 2020</a:t>
-            </a:r>
+              <a:rPr lang="en-US" cap="none" dirty="0"/>
+              <a:t>Final Analysis --  Australia  Population vs GDP Per Capita  Growth from 2010 to 2020</a:t>
+            </a:r>
+            <a:endParaRPr lang="en-AU" cap="none" dirty="0"/>
           </a:p>
         </p:txBody>
       </p:sp>
       <p:pic>
         <p:nvPicPr>
-          <p:cNvPr id="6" name="Picture 5">
+          <p:cNvPr id="7" name="Picture 6">
             <a:extLst>
               <a:ext uri="{FF2B5EF4-FFF2-40B4-BE49-F238E27FC236}">
-                <a16:creationId xmlns:a16="http://schemas.microsoft.com/office/drawing/2014/main" id="{67050F19-F724-0379-DB31-E73E687B40A2}"/>
+                <a16:creationId xmlns:a16="http://schemas.microsoft.com/office/drawing/2014/main" id="{CFD4760F-B1AA-0641-9574-3DB340F9CDA1}"/>
               </a:ext>
             </a:extLst>
           </p:cNvPr>
@@ -4099,8 +4164,63 @@
         </p:blipFill>
         <p:spPr>
           <a:xfrm>
-            <a:off x="3254362" y="2105078"/>
-            <a:ext cx="5683276" cy="3526730"/>
+            <a:off x="828408" y="1920948"/>
+            <a:ext cx="5524784" cy="3930344"/>
+          </a:xfrm>
+          <a:prstGeom prst="rect">
+            <a:avLst/>
+          </a:prstGeom>
+        </p:spPr>
+      </p:pic>
+      <p:sp>
+        <p:nvSpPr>
+          <p:cNvPr id="9" name="Content Placeholder 8">
+            <a:extLst>
+              <a:ext uri="{FF2B5EF4-FFF2-40B4-BE49-F238E27FC236}">
+                <a16:creationId xmlns:a16="http://schemas.microsoft.com/office/drawing/2014/main" id="{2E1DAC48-15E4-124F-2685-640B667B34C0}"/>
+              </a:ext>
+            </a:extLst>
+          </p:cNvPr>
+          <p:cNvSpPr>
+            <a:spLocks noGrp="1"/>
+          </p:cNvSpPr>
+          <p:nvPr>
+            <p:ph idx="1"/>
+          </p:nvPr>
+        </p:nvSpPr>
+        <p:spPr/>
+        <p:txBody>
+          <a:bodyPr/>
+          <a:lstStyle/>
+          <a:p>
+            <a:endParaRPr lang="en-AU"/>
+          </a:p>
+        </p:txBody>
+      </p:sp>
+      <p:pic>
+        <p:nvPicPr>
+          <p:cNvPr id="11" name="Picture 10">
+            <a:extLst>
+              <a:ext uri="{FF2B5EF4-FFF2-40B4-BE49-F238E27FC236}">
+                <a16:creationId xmlns:a16="http://schemas.microsoft.com/office/drawing/2014/main" id="{36A42447-0D5D-297E-B85A-8A4F1A00A5B0}"/>
+              </a:ext>
+            </a:extLst>
+          </p:cNvPr>
+          <p:cNvPicPr>
+            <a:picLocks noChangeAspect="1"/>
+          </p:cNvPicPr>
+          <p:nvPr/>
+        </p:nvPicPr>
+        <p:blipFill>
+          <a:blip r:embed="rId3"/>
+          <a:stretch>
+            <a:fillRect/>
+          </a:stretch>
+        </p:blipFill>
+        <p:spPr>
+          <a:xfrm>
+            <a:off x="6507338" y="1920948"/>
+            <a:ext cx="4856253" cy="3930343"/>
           </a:xfrm>
           <a:prstGeom prst="rect">
             <a:avLst/>
@@ -4110,7 +4230,7 @@
     </p:spTree>
     <p:extLst>
       <p:ext uri="{BB962C8B-B14F-4D97-AF65-F5344CB8AC3E}">
-        <p14:creationId xmlns:p14="http://schemas.microsoft.com/office/powerpoint/2010/main" val="2699575462"/>
+        <p14:creationId xmlns:p14="http://schemas.microsoft.com/office/powerpoint/2010/main" val="229033497"/>
       </p:ext>
     </p:extLst>
   </p:cSld>
@@ -4142,7 +4262,7 @@
           <p:cNvPr id="2" name="Title 1">
             <a:extLst>
               <a:ext uri="{FF2B5EF4-FFF2-40B4-BE49-F238E27FC236}">
-                <a16:creationId xmlns:a16="http://schemas.microsoft.com/office/drawing/2014/main" id="{F837AC45-576E-1A04-34F3-5CB9DF4B8B4C}"/>
+                <a16:creationId xmlns:a16="http://schemas.microsoft.com/office/drawing/2014/main" id="{2A9506DD-5FEE-0DDE-0F58-F155AADAAB94}"/>
               </a:ext>
             </a:extLst>
           </p:cNvPr>
@@ -4153,30 +4273,26 @@
             <p:ph type="title"/>
           </p:nvPr>
         </p:nvSpPr>
-        <p:spPr>
-          <a:xfrm>
-            <a:off x="1427931" y="482089"/>
-            <a:ext cx="9603275" cy="1049235"/>
-          </a:xfrm>
-        </p:spPr>
-        <p:txBody>
-          <a:bodyPr/>
-          <a:lstStyle/>
-          <a:p>
-            <a:r>
-              <a:rPr lang="en-US" cap="none" dirty="0"/>
-              <a:t>Final Analysis --  Australia  Population vs GDP Per Capita  Growth from 2010 to 2020</a:t>
-            </a:r>
-            <a:endParaRPr lang="en-AU" cap="none" dirty="0"/>
+        <p:spPr/>
+        <p:txBody>
+          <a:bodyPr vert="horz" lIns="91440" tIns="45720" rIns="91440" bIns="45720" rtlCol="0" anchor="t">
+            <a:normAutofit/>
+          </a:bodyPr>
+          <a:lstStyle/>
+          <a:p>
+            <a:r>
+              <a:rPr lang="en-AU" cap="none" dirty="0"/>
+              <a:t>World Population vs Australia Population Growth Rate from 2010 to 2020</a:t>
+            </a:r>
           </a:p>
         </p:txBody>
       </p:sp>
       <p:pic>
         <p:nvPicPr>
-          <p:cNvPr id="7" name="Picture 6">
+          <p:cNvPr id="5" name="Picture 4">
             <a:extLst>
               <a:ext uri="{FF2B5EF4-FFF2-40B4-BE49-F238E27FC236}">
-                <a16:creationId xmlns:a16="http://schemas.microsoft.com/office/drawing/2014/main" id="{CFD4760F-B1AA-0641-9574-3DB340F9CDA1}"/>
+                <a16:creationId xmlns:a16="http://schemas.microsoft.com/office/drawing/2014/main" id="{C137EEE9-1103-1E6C-CDAC-0D89F35952E3}"/>
               </a:ext>
             </a:extLst>
           </p:cNvPr>
@@ -4193,45 +4309,20 @@
         </p:blipFill>
         <p:spPr>
           <a:xfrm>
-            <a:off x="828408" y="1920948"/>
-            <a:ext cx="5524784" cy="3930344"/>
+            <a:off x="209836" y="1990377"/>
+            <a:ext cx="5632164" cy="3802609"/>
           </a:xfrm>
           <a:prstGeom prst="rect">
             <a:avLst/>
           </a:prstGeom>
         </p:spPr>
       </p:pic>
-      <p:sp>
-        <p:nvSpPr>
-          <p:cNvPr id="9" name="Content Placeholder 8">
+      <p:pic>
+        <p:nvPicPr>
+          <p:cNvPr id="4" name="Picture 3">
             <a:extLst>
               <a:ext uri="{FF2B5EF4-FFF2-40B4-BE49-F238E27FC236}">
-                <a16:creationId xmlns:a16="http://schemas.microsoft.com/office/drawing/2014/main" id="{2E1DAC48-15E4-124F-2685-640B667B34C0}"/>
-              </a:ext>
-            </a:extLst>
-          </p:cNvPr>
-          <p:cNvSpPr>
-            <a:spLocks noGrp="1"/>
-          </p:cNvSpPr>
-          <p:nvPr>
-            <p:ph idx="1"/>
-          </p:nvPr>
-        </p:nvSpPr>
-        <p:spPr/>
-        <p:txBody>
-          <a:bodyPr/>
-          <a:lstStyle/>
-          <a:p>
-            <a:endParaRPr lang="en-AU"/>
-          </a:p>
-        </p:txBody>
-      </p:sp>
-      <p:pic>
-        <p:nvPicPr>
-          <p:cNvPr id="11" name="Picture 10">
-            <a:extLst>
-              <a:ext uri="{FF2B5EF4-FFF2-40B4-BE49-F238E27FC236}">
-                <a16:creationId xmlns:a16="http://schemas.microsoft.com/office/drawing/2014/main" id="{36A42447-0D5D-297E-B85A-8A4F1A00A5B0}"/>
+                <a16:creationId xmlns:a16="http://schemas.microsoft.com/office/drawing/2014/main" id="{FFC4F537-32F7-F28F-FF6C-EB8F614ADD29}"/>
               </a:ext>
             </a:extLst>
           </p:cNvPr>
@@ -4248,8 +4339,8 @@
         </p:blipFill>
         <p:spPr>
           <a:xfrm>
-            <a:off x="6507338" y="1920948"/>
-            <a:ext cx="4856253" cy="3930343"/>
+            <a:off x="6096000" y="1880032"/>
+            <a:ext cx="6096000" cy="3912954"/>
           </a:xfrm>
           <a:prstGeom prst="rect">
             <a:avLst/>
@@ -4259,7 +4350,7 @@
     </p:spTree>
     <p:extLst>
       <p:ext uri="{BB962C8B-B14F-4D97-AF65-F5344CB8AC3E}">
-        <p14:creationId xmlns:p14="http://schemas.microsoft.com/office/powerpoint/2010/main" val="229033497"/>
+        <p14:creationId xmlns:p14="http://schemas.microsoft.com/office/powerpoint/2010/main" val="1999123438"/>
       </p:ext>
     </p:extLst>
   </p:cSld>
@@ -4291,126 +4382,6 @@
           <p:cNvPr id="2" name="Title 1">
             <a:extLst>
               <a:ext uri="{FF2B5EF4-FFF2-40B4-BE49-F238E27FC236}">
-                <a16:creationId xmlns:a16="http://schemas.microsoft.com/office/drawing/2014/main" id="{2A9506DD-5FEE-0DDE-0F58-F155AADAAB94}"/>
-              </a:ext>
-            </a:extLst>
-          </p:cNvPr>
-          <p:cNvSpPr>
-            <a:spLocks noGrp="1"/>
-          </p:cNvSpPr>
-          <p:nvPr>
-            <p:ph type="title"/>
-          </p:nvPr>
-        </p:nvSpPr>
-        <p:spPr/>
-        <p:txBody>
-          <a:bodyPr vert="horz" lIns="91440" tIns="45720" rIns="91440" bIns="45720" rtlCol="0" anchor="t">
-            <a:normAutofit/>
-          </a:bodyPr>
-          <a:lstStyle/>
-          <a:p>
-            <a:r>
-              <a:rPr lang="en-AU" cap="none" dirty="0"/>
-              <a:t>World Population vs Australia Population Growth Rate from 2010 to 2020</a:t>
-            </a:r>
-          </a:p>
-        </p:txBody>
-      </p:sp>
-      <p:pic>
-        <p:nvPicPr>
-          <p:cNvPr id="5" name="Picture 4">
-            <a:extLst>
-              <a:ext uri="{FF2B5EF4-FFF2-40B4-BE49-F238E27FC236}">
-                <a16:creationId xmlns:a16="http://schemas.microsoft.com/office/drawing/2014/main" id="{C137EEE9-1103-1E6C-CDAC-0D89F35952E3}"/>
-              </a:ext>
-            </a:extLst>
-          </p:cNvPr>
-          <p:cNvPicPr>
-            <a:picLocks noChangeAspect="1"/>
-          </p:cNvPicPr>
-          <p:nvPr/>
-        </p:nvPicPr>
-        <p:blipFill>
-          <a:blip r:embed="rId2"/>
-          <a:stretch>
-            <a:fillRect/>
-          </a:stretch>
-        </p:blipFill>
-        <p:spPr>
-          <a:xfrm>
-            <a:off x="209836" y="1990377"/>
-            <a:ext cx="5632164" cy="3802609"/>
-          </a:xfrm>
-          <a:prstGeom prst="rect">
-            <a:avLst/>
-          </a:prstGeom>
-        </p:spPr>
-      </p:pic>
-      <p:pic>
-        <p:nvPicPr>
-          <p:cNvPr id="4" name="Picture 3">
-            <a:extLst>
-              <a:ext uri="{FF2B5EF4-FFF2-40B4-BE49-F238E27FC236}">
-                <a16:creationId xmlns:a16="http://schemas.microsoft.com/office/drawing/2014/main" id="{FFC4F537-32F7-F28F-FF6C-EB8F614ADD29}"/>
-              </a:ext>
-            </a:extLst>
-          </p:cNvPr>
-          <p:cNvPicPr>
-            <a:picLocks noChangeAspect="1"/>
-          </p:cNvPicPr>
-          <p:nvPr/>
-        </p:nvPicPr>
-        <p:blipFill>
-          <a:blip r:embed="rId3"/>
-          <a:stretch>
-            <a:fillRect/>
-          </a:stretch>
-        </p:blipFill>
-        <p:spPr>
-          <a:xfrm>
-            <a:off x="6096000" y="1880032"/>
-            <a:ext cx="6096000" cy="3912954"/>
-          </a:xfrm>
-          <a:prstGeom prst="rect">
-            <a:avLst/>
-          </a:prstGeom>
-        </p:spPr>
-      </p:pic>
-    </p:spTree>
-    <p:extLst>
-      <p:ext uri="{BB962C8B-B14F-4D97-AF65-F5344CB8AC3E}">
-        <p14:creationId xmlns:p14="http://schemas.microsoft.com/office/powerpoint/2010/main" val="1999123438"/>
-      </p:ext>
-    </p:extLst>
-  </p:cSld>
-  <p:clrMapOvr>
-    <a:masterClrMapping/>
-  </p:clrMapOvr>
-</p:sld>
-</file>
-
-<file path=ppt/slides/slide16.xml><?xml version="1.0" encoding="utf-8"?>
-<p:sld xmlns:a="http://schemas.openxmlformats.org/drawingml/2006/main" xmlns:r="http://schemas.openxmlformats.org/officeDocument/2006/relationships" xmlns:p="http://schemas.openxmlformats.org/presentationml/2006/main">
-  <p:cSld>
-    <p:spTree>
-      <p:nvGrpSpPr>
-        <p:cNvPr id="1" name=""/>
-        <p:cNvGrpSpPr/>
-        <p:nvPr/>
-      </p:nvGrpSpPr>
-      <p:grpSpPr>
-        <a:xfrm>
-          <a:off x="0" y="0"/>
-          <a:ext cx="0" cy="0"/>
-          <a:chOff x="0" y="0"/>
-          <a:chExt cx="0" cy="0"/>
-        </a:xfrm>
-      </p:grpSpPr>
-      <p:sp>
-        <p:nvSpPr>
-          <p:cNvPr id="2" name="Title 1">
-            <a:extLst>
-              <a:ext uri="{FF2B5EF4-FFF2-40B4-BE49-F238E27FC236}">
                 <a16:creationId xmlns:a16="http://schemas.microsoft.com/office/drawing/2014/main" id="{1ABB0FAC-51A8-712A-121C-52AE52AB89C8}"/>
               </a:ext>
             </a:extLst>
@@ -4436,7 +4407,7 @@
           <a:p>
             <a:r>
               <a:rPr lang="en-US" cap="none" dirty="0"/>
-              <a:t>Australia Position in Top 10 Immigration countries based on Immigration Growth and GDP Per capita Growth for 2020</a:t>
+              <a:t>Australia Place in Top 10 Immigration countries based on Immigration Growth and GDP Per capita Growth for 2020</a:t>
             </a:r>
             <a:endParaRPr lang="en-AU" cap="none" dirty="0"/>
           </a:p>
@@ -4501,10 +4472,474 @@
           </a:prstGeom>
         </p:spPr>
       </p:pic>
+      <p:sp>
+        <p:nvSpPr>
+          <p:cNvPr id="7" name="Arrow: Left 6">
+            <a:extLst>
+              <a:ext uri="{FF2B5EF4-FFF2-40B4-BE49-F238E27FC236}">
+                <a16:creationId xmlns:a16="http://schemas.microsoft.com/office/drawing/2014/main" id="{E6BC8225-694C-048D-3147-1F14356EB42D}"/>
+              </a:ext>
+            </a:extLst>
+          </p:cNvPr>
+          <p:cNvSpPr/>
+          <p:nvPr/>
+        </p:nvSpPr>
+        <p:spPr>
+          <a:xfrm>
+            <a:off x="2153920" y="2357120"/>
+            <a:ext cx="1402080" cy="477520"/>
+          </a:xfrm>
+          <a:prstGeom prst="leftArrow">
+            <a:avLst/>
+          </a:prstGeom>
+        </p:spPr>
+        <p:style>
+          <a:lnRef idx="3">
+            <a:schemeClr val="lt1"/>
+          </a:lnRef>
+          <a:fillRef idx="1">
+            <a:schemeClr val="accent5"/>
+          </a:fillRef>
+          <a:effectRef idx="1">
+            <a:schemeClr val="accent5"/>
+          </a:effectRef>
+          <a:fontRef idx="minor">
+            <a:schemeClr val="lt1"/>
+          </a:fontRef>
+        </p:style>
+        <p:txBody>
+          <a:bodyPr rtlCol="0" anchor="ctr"/>
+          <a:lstStyle/>
+          <a:p>
+            <a:pPr algn="ctr"/>
+            <a:r>
+              <a:rPr lang="en-US" dirty="0"/>
+              <a:t>9</a:t>
+            </a:r>
+            <a:r>
+              <a:rPr lang="en-US" baseline="30000" dirty="0"/>
+              <a:t>th</a:t>
+            </a:r>
+            <a:r>
+              <a:rPr lang="en-US" dirty="0"/>
+              <a:t> Position</a:t>
+            </a:r>
+            <a:endParaRPr lang="en-AU" dirty="0"/>
+          </a:p>
+        </p:txBody>
+      </p:sp>
+      <p:sp>
+        <p:nvSpPr>
+          <p:cNvPr id="8" name="Arrow: Right 7">
+            <a:extLst>
+              <a:ext uri="{FF2B5EF4-FFF2-40B4-BE49-F238E27FC236}">
+                <a16:creationId xmlns:a16="http://schemas.microsoft.com/office/drawing/2014/main" id="{CB015D67-874D-1534-C38D-5B3E1BD4FE97}"/>
+              </a:ext>
+            </a:extLst>
+          </p:cNvPr>
+          <p:cNvSpPr/>
+          <p:nvPr/>
+        </p:nvSpPr>
+        <p:spPr>
+          <a:xfrm>
+            <a:off x="7512903" y="2052320"/>
+            <a:ext cx="1488857" cy="467360"/>
+          </a:xfrm>
+          <a:prstGeom prst="rightArrow">
+            <a:avLst/>
+          </a:prstGeom>
+        </p:spPr>
+        <p:style>
+          <a:lnRef idx="2">
+            <a:schemeClr val="accent1">
+              <a:shade val="50000"/>
+            </a:schemeClr>
+          </a:lnRef>
+          <a:fillRef idx="1">
+            <a:schemeClr val="accent1"/>
+          </a:fillRef>
+          <a:effectRef idx="0">
+            <a:schemeClr val="accent1"/>
+          </a:effectRef>
+          <a:fontRef idx="minor">
+            <a:schemeClr val="lt1"/>
+          </a:fontRef>
+        </p:style>
+        <p:txBody>
+          <a:bodyPr rtlCol="0" anchor="ctr"/>
+          <a:lstStyle/>
+          <a:p>
+            <a:pPr algn="ctr"/>
+            <a:r>
+              <a:rPr lang="en-US" dirty="0"/>
+              <a:t>1st Place</a:t>
+            </a:r>
+            <a:endParaRPr lang="en-AU" dirty="0"/>
+          </a:p>
+        </p:txBody>
+      </p:sp>
     </p:spTree>
     <p:extLst>
       <p:ext uri="{BB962C8B-B14F-4D97-AF65-F5344CB8AC3E}">
         <p14:creationId xmlns:p14="http://schemas.microsoft.com/office/powerpoint/2010/main" val="3495096180"/>
+      </p:ext>
+    </p:extLst>
+  </p:cSld>
+  <p:clrMapOvr>
+    <a:masterClrMapping/>
+  </p:clrMapOvr>
+  <p:timing>
+    <p:tnLst>
+      <p:par>
+        <p:cTn id="1" dur="indefinite" restart="never" nodeType="tmRoot">
+          <p:childTnLst>
+            <p:seq concurrent="1" nextAc="seek">
+              <p:cTn id="2" dur="indefinite" nodeType="mainSeq">
+                <p:childTnLst>
+                  <p:par>
+                    <p:cTn id="3" fill="hold">
+                      <p:stCondLst>
+                        <p:cond delay="indefinite"/>
+                      </p:stCondLst>
+                      <p:childTnLst>
+                        <p:par>
+                          <p:cTn id="4" fill="hold">
+                            <p:stCondLst>
+                              <p:cond delay="0"/>
+                            </p:stCondLst>
+                            <p:childTnLst>
+                              <p:par>
+                                <p:cTn id="5" presetID="42" presetClass="entr" presetSubtype="0" fill="hold" grpId="0" nodeType="clickEffect">
+                                  <p:stCondLst>
+                                    <p:cond delay="0"/>
+                                  </p:stCondLst>
+                                  <p:childTnLst>
+                                    <p:set>
+                                      <p:cBhvr>
+                                        <p:cTn id="6" dur="1" fill="hold">
+                                          <p:stCondLst>
+                                            <p:cond delay="0"/>
+                                          </p:stCondLst>
+                                        </p:cTn>
+                                        <p:tgtEl>
+                                          <p:spTgt spid="7"/>
+                                        </p:tgtEl>
+                                        <p:attrNameLst>
+                                          <p:attrName>style.visibility</p:attrName>
+                                        </p:attrNameLst>
+                                      </p:cBhvr>
+                                      <p:to>
+                                        <p:strVal val="visible"/>
+                                      </p:to>
+                                    </p:set>
+                                    <p:animEffect transition="in" filter="fade">
+                                      <p:cBhvr>
+                                        <p:cTn id="7" dur="1000"/>
+                                        <p:tgtEl>
+                                          <p:spTgt spid="7"/>
+                                        </p:tgtEl>
+                                      </p:cBhvr>
+                                    </p:animEffect>
+                                    <p:anim calcmode="lin" valueType="num">
+                                      <p:cBhvr>
+                                        <p:cTn id="8" dur="1000" fill="hold"/>
+                                        <p:tgtEl>
+                                          <p:spTgt spid="7"/>
+                                        </p:tgtEl>
+                                        <p:attrNameLst>
+                                          <p:attrName>ppt_x</p:attrName>
+                                        </p:attrNameLst>
+                                      </p:cBhvr>
+                                      <p:tavLst>
+                                        <p:tav tm="0">
+                                          <p:val>
+                                            <p:strVal val="#ppt_x"/>
+                                          </p:val>
+                                        </p:tav>
+                                        <p:tav tm="100000">
+                                          <p:val>
+                                            <p:strVal val="#ppt_x"/>
+                                          </p:val>
+                                        </p:tav>
+                                      </p:tavLst>
+                                    </p:anim>
+                                    <p:anim calcmode="lin" valueType="num">
+                                      <p:cBhvr>
+                                        <p:cTn id="9" dur="1000" fill="hold"/>
+                                        <p:tgtEl>
+                                          <p:spTgt spid="7"/>
+                                        </p:tgtEl>
+                                        <p:attrNameLst>
+                                          <p:attrName>ppt_y</p:attrName>
+                                        </p:attrNameLst>
+                                      </p:cBhvr>
+                                      <p:tavLst>
+                                        <p:tav tm="0">
+                                          <p:val>
+                                            <p:strVal val="#ppt_y+.1"/>
+                                          </p:val>
+                                        </p:tav>
+                                        <p:tav tm="100000">
+                                          <p:val>
+                                            <p:strVal val="#ppt_y"/>
+                                          </p:val>
+                                        </p:tav>
+                                      </p:tavLst>
+                                    </p:anim>
+                                  </p:childTnLst>
+                                </p:cTn>
+                              </p:par>
+                            </p:childTnLst>
+                          </p:cTn>
+                        </p:par>
+                      </p:childTnLst>
+                    </p:cTn>
+                  </p:par>
+                  <p:par>
+                    <p:cTn id="10" fill="hold">
+                      <p:stCondLst>
+                        <p:cond delay="indefinite"/>
+                      </p:stCondLst>
+                      <p:childTnLst>
+                        <p:par>
+                          <p:cTn id="11" fill="hold">
+                            <p:stCondLst>
+                              <p:cond delay="0"/>
+                            </p:stCondLst>
+                            <p:childTnLst>
+                              <p:par>
+                                <p:cTn id="12" presetID="42" presetClass="entr" presetSubtype="0" fill="hold" grpId="0" nodeType="clickEffect">
+                                  <p:stCondLst>
+                                    <p:cond delay="0"/>
+                                  </p:stCondLst>
+                                  <p:childTnLst>
+                                    <p:set>
+                                      <p:cBhvr>
+                                        <p:cTn id="13" dur="1" fill="hold">
+                                          <p:stCondLst>
+                                            <p:cond delay="0"/>
+                                          </p:stCondLst>
+                                        </p:cTn>
+                                        <p:tgtEl>
+                                          <p:spTgt spid="8"/>
+                                        </p:tgtEl>
+                                        <p:attrNameLst>
+                                          <p:attrName>style.visibility</p:attrName>
+                                        </p:attrNameLst>
+                                      </p:cBhvr>
+                                      <p:to>
+                                        <p:strVal val="visible"/>
+                                      </p:to>
+                                    </p:set>
+                                    <p:animEffect transition="in" filter="fade">
+                                      <p:cBhvr>
+                                        <p:cTn id="14" dur="1000"/>
+                                        <p:tgtEl>
+                                          <p:spTgt spid="8"/>
+                                        </p:tgtEl>
+                                      </p:cBhvr>
+                                    </p:animEffect>
+                                    <p:anim calcmode="lin" valueType="num">
+                                      <p:cBhvr>
+                                        <p:cTn id="15" dur="1000" fill="hold"/>
+                                        <p:tgtEl>
+                                          <p:spTgt spid="8"/>
+                                        </p:tgtEl>
+                                        <p:attrNameLst>
+                                          <p:attrName>ppt_x</p:attrName>
+                                        </p:attrNameLst>
+                                      </p:cBhvr>
+                                      <p:tavLst>
+                                        <p:tav tm="0">
+                                          <p:val>
+                                            <p:strVal val="#ppt_x"/>
+                                          </p:val>
+                                        </p:tav>
+                                        <p:tav tm="100000">
+                                          <p:val>
+                                            <p:strVal val="#ppt_x"/>
+                                          </p:val>
+                                        </p:tav>
+                                      </p:tavLst>
+                                    </p:anim>
+                                    <p:anim calcmode="lin" valueType="num">
+                                      <p:cBhvr>
+                                        <p:cTn id="16" dur="1000" fill="hold"/>
+                                        <p:tgtEl>
+                                          <p:spTgt spid="8"/>
+                                        </p:tgtEl>
+                                        <p:attrNameLst>
+                                          <p:attrName>ppt_y</p:attrName>
+                                        </p:attrNameLst>
+                                      </p:cBhvr>
+                                      <p:tavLst>
+                                        <p:tav tm="0">
+                                          <p:val>
+                                            <p:strVal val="#ppt_y+.1"/>
+                                          </p:val>
+                                        </p:tav>
+                                        <p:tav tm="100000">
+                                          <p:val>
+                                            <p:strVal val="#ppt_y"/>
+                                          </p:val>
+                                        </p:tav>
+                                      </p:tavLst>
+                                    </p:anim>
+                                  </p:childTnLst>
+                                </p:cTn>
+                              </p:par>
+                            </p:childTnLst>
+                          </p:cTn>
+                        </p:par>
+                      </p:childTnLst>
+                    </p:cTn>
+                  </p:par>
+                </p:childTnLst>
+              </p:cTn>
+              <p:prevCondLst>
+                <p:cond evt="onPrev" delay="0">
+                  <p:tgtEl>
+                    <p:sldTgt/>
+                  </p:tgtEl>
+                </p:cond>
+              </p:prevCondLst>
+              <p:nextCondLst>
+                <p:cond evt="onNext" delay="0">
+                  <p:tgtEl>
+                    <p:sldTgt/>
+                  </p:tgtEl>
+                </p:cond>
+              </p:nextCondLst>
+            </p:seq>
+          </p:childTnLst>
+        </p:cTn>
+      </p:par>
+    </p:tnLst>
+    <p:bldLst>
+      <p:bldP spid="7" grpId="0" animBg="1"/>
+      <p:bldP spid="8" grpId="0" animBg="1"/>
+    </p:bldLst>
+  </p:timing>
+</p:sld>
+</file>
+
+<file path=ppt/slides/slide16.xml><?xml version="1.0" encoding="utf-8"?>
+<p:sld xmlns:a="http://schemas.openxmlformats.org/drawingml/2006/main" xmlns:r="http://schemas.openxmlformats.org/officeDocument/2006/relationships" xmlns:p="http://schemas.openxmlformats.org/presentationml/2006/main">
+  <p:cSld>
+    <p:spTree>
+      <p:nvGrpSpPr>
+        <p:cNvPr id="1" name=""/>
+        <p:cNvGrpSpPr/>
+        <p:nvPr/>
+      </p:nvGrpSpPr>
+      <p:grpSpPr>
+        <a:xfrm>
+          <a:off x="0" y="0"/>
+          <a:ext cx="0" cy="0"/>
+          <a:chOff x="0" y="0"/>
+          <a:chExt cx="0" cy="0"/>
+        </a:xfrm>
+      </p:grpSpPr>
+      <p:sp>
+        <p:nvSpPr>
+          <p:cNvPr id="2" name="Title 1">
+            <a:extLst>
+              <a:ext uri="{FF2B5EF4-FFF2-40B4-BE49-F238E27FC236}">
+                <a16:creationId xmlns:a16="http://schemas.microsoft.com/office/drawing/2014/main" id="{B4592FFA-D9B3-0D4E-399C-ABB449E7500E}"/>
+              </a:ext>
+            </a:extLst>
+          </p:cNvPr>
+          <p:cNvSpPr>
+            <a:spLocks noGrp="1"/>
+          </p:cNvSpPr>
+          <p:nvPr>
+            <p:ph type="title"/>
+          </p:nvPr>
+        </p:nvSpPr>
+        <p:spPr/>
+        <p:txBody>
+          <a:bodyPr>
+            <a:normAutofit/>
+          </a:bodyPr>
+          <a:lstStyle/>
+          <a:p>
+            <a:r>
+              <a:rPr lang="en-AU" sz="2800" cap="none" dirty="0"/>
+              <a:t>Australia Projected Population with and without Migration for 2020-2030</a:t>
+            </a:r>
+          </a:p>
+        </p:txBody>
+      </p:sp>
+      <p:pic>
+        <p:nvPicPr>
+          <p:cNvPr id="5" name="Picture 4">
+            <a:extLst>
+              <a:ext uri="{FF2B5EF4-FFF2-40B4-BE49-F238E27FC236}">
+                <a16:creationId xmlns:a16="http://schemas.microsoft.com/office/drawing/2014/main" id="{1B71B307-D942-8065-F4BB-00A8ACA51206}"/>
+              </a:ext>
+            </a:extLst>
+          </p:cNvPr>
+          <p:cNvPicPr>
+            <a:picLocks noChangeAspect="1"/>
+          </p:cNvPicPr>
+          <p:nvPr/>
+        </p:nvPicPr>
+        <p:blipFill>
+          <a:blip r:embed="rId2"/>
+          <a:stretch>
+            <a:fillRect/>
+          </a:stretch>
+        </p:blipFill>
+        <p:spPr>
+          <a:xfrm>
+            <a:off x="2812196" y="2006178"/>
+            <a:ext cx="6567608" cy="3875836"/>
+          </a:xfrm>
+          <a:prstGeom prst="rect">
+            <a:avLst/>
+          </a:prstGeom>
+        </p:spPr>
+      </p:pic>
+      <p:sp>
+        <p:nvSpPr>
+          <p:cNvPr id="4" name="TextBox 3">
+            <a:extLst>
+              <a:ext uri="{FF2B5EF4-FFF2-40B4-BE49-F238E27FC236}">
+                <a16:creationId xmlns:a16="http://schemas.microsoft.com/office/drawing/2014/main" id="{94E499D7-66AD-1EFA-337D-A08C7E8471D4}"/>
+              </a:ext>
+            </a:extLst>
+          </p:cNvPr>
+          <p:cNvSpPr txBox="1"/>
+          <p:nvPr/>
+        </p:nvSpPr>
+        <p:spPr>
+          <a:xfrm rot="18927757">
+            <a:off x="-658346" y="-305563"/>
+            <a:ext cx="5486400" cy="369332"/>
+          </a:xfrm>
+          <a:prstGeom prst="rect">
+            <a:avLst/>
+          </a:prstGeom>
+          <a:noFill/>
+        </p:spPr>
+        <p:txBody>
+          <a:bodyPr wrap="square" rtlCol="0">
+            <a:spAutoFit/>
+          </a:bodyPr>
+          <a:lstStyle/>
+          <a:p>
+            <a:r>
+              <a:rPr lang="en-US" dirty="0"/>
+              <a:t>RADHIKA END SLIDE</a:t>
+            </a:r>
+            <a:endParaRPr lang="en-AU" dirty="0"/>
+          </a:p>
+        </p:txBody>
+      </p:sp>
+    </p:spTree>
+    <p:extLst>
+      <p:ext uri="{BB962C8B-B14F-4D97-AF65-F5344CB8AC3E}">
+        <p14:creationId xmlns:p14="http://schemas.microsoft.com/office/powerpoint/2010/main" val="2563674188"/>
       </p:ext>
     </p:extLst>
   </p:cSld>
@@ -4536,7 +4971,7 @@
           <p:cNvPr id="2" name="Title 1">
             <a:extLst>
               <a:ext uri="{FF2B5EF4-FFF2-40B4-BE49-F238E27FC236}">
-                <a16:creationId xmlns:a16="http://schemas.microsoft.com/office/drawing/2014/main" id="{B4592FFA-D9B3-0D4E-399C-ABB449E7500E}"/>
+                <a16:creationId xmlns:a16="http://schemas.microsoft.com/office/drawing/2014/main" id="{52941683-A44B-E4AB-7DC7-4DF84D558D26}"/>
               </a:ext>
             </a:extLst>
           </p:cNvPr>
@@ -4549,79 +4984,40 @@
         </p:nvSpPr>
         <p:spPr/>
         <p:txBody>
-          <a:bodyPr>
-            <a:normAutofit/>
-          </a:bodyPr>
-          <a:lstStyle/>
-          <a:p>
-            <a:r>
-              <a:rPr lang="en-AU" sz="2800" cap="none" dirty="0"/>
-              <a:t>Australia Projected Population with and without Migration for 2020-2030</a:t>
-            </a:r>
-          </a:p>
-        </p:txBody>
-      </p:sp>
-      <p:pic>
-        <p:nvPicPr>
-          <p:cNvPr id="5" name="Picture 4">
+          <a:bodyPr/>
+          <a:lstStyle/>
+          <a:p>
+            <a:r>
+              <a:rPr lang="en-AU" dirty="0"/>
+              <a:t>Conclusion</a:t>
+            </a:r>
+          </a:p>
+        </p:txBody>
+      </p:sp>
+      <p:sp>
+        <p:nvSpPr>
+          <p:cNvPr id="3" name="Content Placeholder 2">
             <a:extLst>
               <a:ext uri="{FF2B5EF4-FFF2-40B4-BE49-F238E27FC236}">
-                <a16:creationId xmlns:a16="http://schemas.microsoft.com/office/drawing/2014/main" id="{1B71B307-D942-8065-F4BB-00A8ACA51206}"/>
+                <a16:creationId xmlns:a16="http://schemas.microsoft.com/office/drawing/2014/main" id="{1D8B05DF-1F65-9675-F53D-DD883A841FB5}"/>
               </a:ext>
             </a:extLst>
           </p:cNvPr>
-          <p:cNvPicPr>
-            <a:picLocks noChangeAspect="1"/>
-          </p:cNvPicPr>
-          <p:nvPr/>
-        </p:nvPicPr>
-        <p:blipFill>
-          <a:blip r:embed="rId2"/>
-          <a:stretch>
-            <a:fillRect/>
-          </a:stretch>
-        </p:blipFill>
-        <p:spPr>
-          <a:xfrm>
-            <a:off x="2812196" y="2006178"/>
-            <a:ext cx="6567608" cy="3875836"/>
-          </a:xfrm>
-          <a:prstGeom prst="rect">
-            <a:avLst/>
-          </a:prstGeom>
-        </p:spPr>
-      </p:pic>
-      <p:sp>
-        <p:nvSpPr>
-          <p:cNvPr id="4" name="TextBox 3">
-            <a:extLst>
-              <a:ext uri="{FF2B5EF4-FFF2-40B4-BE49-F238E27FC236}">
-                <a16:creationId xmlns:a16="http://schemas.microsoft.com/office/drawing/2014/main" id="{94E499D7-66AD-1EFA-337D-A08C7E8471D4}"/>
-              </a:ext>
-            </a:extLst>
-          </p:cNvPr>
-          <p:cNvSpPr txBox="1"/>
-          <p:nvPr/>
-        </p:nvSpPr>
-        <p:spPr>
-          <a:xfrm rot="18927757">
-            <a:off x="-658346" y="-305563"/>
-            <a:ext cx="5486400" cy="369332"/>
-          </a:xfrm>
-          <a:prstGeom prst="rect">
-            <a:avLst/>
-          </a:prstGeom>
-          <a:noFill/>
-        </p:spPr>
-        <p:txBody>
-          <a:bodyPr wrap="square" rtlCol="0">
-            <a:spAutoFit/>
-          </a:bodyPr>
-          <a:lstStyle/>
-          <a:p>
-            <a:r>
-              <a:rPr lang="en-US" dirty="0"/>
-              <a:t>RADHIKA END SLIDE</a:t>
+          <p:cNvSpPr>
+            <a:spLocks noGrp="1"/>
+          </p:cNvSpPr>
+          <p:nvPr>
+            <p:ph idx="1"/>
+          </p:nvPr>
+        </p:nvSpPr>
+        <p:spPr/>
+        <p:txBody>
+          <a:bodyPr/>
+          <a:lstStyle/>
+          <a:p>
+            <a:r>
+              <a:rPr lang="en-AU" dirty="0" err="1"/>
+              <a:t>kathleen</a:t>
             </a:r>
             <a:endParaRPr lang="en-AU" dirty="0"/>
           </a:p>
@@ -4630,7 +5026,7 @@
     </p:spTree>
     <p:extLst>
       <p:ext uri="{BB962C8B-B14F-4D97-AF65-F5344CB8AC3E}">
-        <p14:creationId xmlns:p14="http://schemas.microsoft.com/office/powerpoint/2010/main" val="2563674188"/>
+        <p14:creationId xmlns:p14="http://schemas.microsoft.com/office/powerpoint/2010/main" val="1612801922"/>
       </p:ext>
     </p:extLst>
   </p:cSld>
@@ -4662,7 +5058,7 @@
           <p:cNvPr id="2" name="Title 1">
             <a:extLst>
               <a:ext uri="{FF2B5EF4-FFF2-40B4-BE49-F238E27FC236}">
-                <a16:creationId xmlns:a16="http://schemas.microsoft.com/office/drawing/2014/main" id="{52941683-A44B-E4AB-7DC7-4DF84D558D26}"/>
+                <a16:creationId xmlns:a16="http://schemas.microsoft.com/office/drawing/2014/main" id="{49B4CF45-4973-2329-3EBE-939708F1EF21}"/>
               </a:ext>
             </a:extLst>
           </p:cNvPr>
@@ -4680,7 +5076,7 @@
           <a:p>
             <a:r>
               <a:rPr lang="en-AU" dirty="0"/>
-              <a:t>Conclusion</a:t>
+              <a:t>Post mortem</a:t>
             </a:r>
           </a:p>
         </p:txBody>
@@ -4690,7 +5086,7 @@
           <p:cNvPr id="3" name="Content Placeholder 2">
             <a:extLst>
               <a:ext uri="{FF2B5EF4-FFF2-40B4-BE49-F238E27FC236}">
-                <a16:creationId xmlns:a16="http://schemas.microsoft.com/office/drawing/2014/main" id="{1D8B05DF-1F65-9675-F53D-DD883A841FB5}"/>
+                <a16:creationId xmlns:a16="http://schemas.microsoft.com/office/drawing/2014/main" id="{AFC7970D-556E-10FB-0EC7-1384260AE04C}"/>
               </a:ext>
             </a:extLst>
           </p:cNvPr>
@@ -4707,7 +5103,36 @@
           <a:lstStyle/>
           <a:p>
             <a:r>
-              <a:rPr lang="en-AU" dirty="0" err="1"/>
+              <a:rPr lang="en-US" b="0" i="0" dirty="0">
+                <a:effectLst/>
+              </a:rPr>
+              <a:t>Discuss your findings. Did you find what you expected to find? If not, why not? What inferences or general conclusions can you draw from your analysis?</a:t>
+            </a:r>
+            <a:br>
+              <a:rPr lang="en-US" dirty="0"/>
+            </a:br>
+            <a:r>
+              <a:rPr lang="en-US" b="0" i="0" dirty="0">
+                <a:effectLst/>
+              </a:rPr>
+              <a:t>Discuss any difficulties that arose, and how you dealt with them</a:t>
+            </a:r>
+            <a:br>
+              <a:rPr lang="en-US" dirty="0"/>
+            </a:br>
+            <a:r>
+              <a:rPr lang="en-US" b="0" i="0" dirty="0">
+                <a:effectLst/>
+              </a:rPr>
+              <a:t>Discuss any additional questions that came up, but which you didn't have time to answer: What would you research next, if you had two more weeks?</a:t>
+            </a:r>
+          </a:p>
+          <a:p>
+            <a:endParaRPr lang="en-US" dirty="0"/>
+          </a:p>
+          <a:p>
+            <a:r>
+              <a:rPr lang="en-US" dirty="0" err="1"/>
               <a:t>kathleen</a:t>
             </a:r>
             <a:endParaRPr lang="en-AU" dirty="0"/>
@@ -4717,7 +5142,7 @@
     </p:spTree>
     <p:extLst>
       <p:ext uri="{BB962C8B-B14F-4D97-AF65-F5344CB8AC3E}">
-        <p14:creationId xmlns:p14="http://schemas.microsoft.com/office/powerpoint/2010/main" val="1612801922"/>
+        <p14:creationId xmlns:p14="http://schemas.microsoft.com/office/powerpoint/2010/main" val="644451328"/>
       </p:ext>
     </p:extLst>
   </p:cSld>
@@ -4749,7 +5174,7 @@
           <p:cNvPr id="2" name="Title 1">
             <a:extLst>
               <a:ext uri="{FF2B5EF4-FFF2-40B4-BE49-F238E27FC236}">
-                <a16:creationId xmlns:a16="http://schemas.microsoft.com/office/drawing/2014/main" id="{49B4CF45-4973-2329-3EBE-939708F1EF21}"/>
+                <a16:creationId xmlns:a16="http://schemas.microsoft.com/office/drawing/2014/main" id="{32155CCF-F93D-D17E-D57F-34657B2CB0E2}"/>
               </a:ext>
             </a:extLst>
           </p:cNvPr>
@@ -4767,73 +5192,67 @@
           <a:p>
             <a:r>
               <a:rPr lang="en-AU" dirty="0"/>
-              <a:t>Post mortem</a:t>
-            </a:r>
-          </a:p>
-        </p:txBody>
-      </p:sp>
-      <p:sp>
-        <p:nvSpPr>
-          <p:cNvPr id="3" name="Content Placeholder 2">
+              <a:t>                               </a:t>
+            </a:r>
+            <a:r>
+              <a:rPr lang="en-AU" dirty="0" err="1"/>
+              <a:t>QUEstions</a:t>
+            </a:r>
+            <a:endParaRPr lang="en-AU" dirty="0"/>
+          </a:p>
+        </p:txBody>
+      </p:sp>
+      <p:pic>
+        <p:nvPicPr>
+          <p:cNvPr id="1026" name="Picture 2">
             <a:extLst>
               <a:ext uri="{FF2B5EF4-FFF2-40B4-BE49-F238E27FC236}">
-                <a16:creationId xmlns:a16="http://schemas.microsoft.com/office/drawing/2014/main" id="{AFC7970D-556E-10FB-0EC7-1384260AE04C}"/>
+                <a16:creationId xmlns:a16="http://schemas.microsoft.com/office/drawing/2014/main" id="{00C5C44C-9F08-D6AB-0266-5564E0F7CE39}"/>
               </a:ext>
             </a:extLst>
           </p:cNvPr>
-          <p:cNvSpPr>
-            <a:spLocks noGrp="1"/>
-          </p:cNvSpPr>
-          <p:nvPr>
-            <p:ph idx="1"/>
-          </p:nvPr>
-        </p:nvSpPr>
-        <p:spPr/>
-        <p:txBody>
-          <a:bodyPr/>
-          <a:lstStyle/>
-          <a:p>
-            <a:r>
-              <a:rPr lang="en-US" b="0" i="0" dirty="0">
-                <a:effectLst/>
-              </a:rPr>
-              <a:t>Discuss your findings. Did you find what you expected to find? If not, why not? What inferences or general conclusions can you draw from your analysis?</a:t>
-            </a:r>
-            <a:br>
-              <a:rPr lang="en-US" dirty="0"/>
-            </a:br>
-            <a:r>
-              <a:rPr lang="en-US" b="0" i="0" dirty="0">
-                <a:effectLst/>
-              </a:rPr>
-              <a:t>Discuss any difficulties that arose, and how you dealt with them</a:t>
-            </a:r>
-            <a:br>
-              <a:rPr lang="en-US" dirty="0"/>
-            </a:br>
-            <a:r>
-              <a:rPr lang="en-US" b="0" i="0" dirty="0">
-                <a:effectLst/>
-              </a:rPr>
-              <a:t>Discuss any additional questions that came up, but which you didn't have time to answer: What would you research next, if you had two more weeks?</a:t>
-            </a:r>
-          </a:p>
-          <a:p>
-            <a:endParaRPr lang="en-US" dirty="0"/>
-          </a:p>
-          <a:p>
-            <a:r>
-              <a:rPr lang="en-US" dirty="0" err="1"/>
-              <a:t>kathleen</a:t>
-            </a:r>
-            <a:endParaRPr lang="en-AU" dirty="0"/>
-          </a:p>
-        </p:txBody>
-      </p:sp>
+          <p:cNvPicPr>
+            <a:picLocks noChangeAspect="1" noChangeArrowheads="1"/>
+          </p:cNvPicPr>
+          <p:nvPr/>
+        </p:nvPicPr>
+        <p:blipFill>
+          <a:blip r:embed="rId2">
+            <a:extLst>
+              <a:ext uri="{28A0092B-C50C-407E-A947-70E740481C1C}">
+                <a14:useLocalDpi xmlns:a14="http://schemas.microsoft.com/office/drawing/2010/main" val="0"/>
+              </a:ext>
+            </a:extLst>
+          </a:blip>
+          <a:srcRect/>
+          <a:stretch>
+            <a:fillRect/>
+          </a:stretch>
+        </p:blipFill>
+        <p:spPr bwMode="auto">
+          <a:xfrm>
+            <a:off x="2332023" y="1938372"/>
+            <a:ext cx="7527953" cy="4115109"/>
+          </a:xfrm>
+          <a:prstGeom prst="rect">
+            <a:avLst/>
+          </a:prstGeom>
+          <a:noFill/>
+          <a:extLst>
+            <a:ext uri="{909E8E84-426E-40DD-AFC4-6F175D3DCCD1}">
+              <a14:hiddenFill xmlns:a14="http://schemas.microsoft.com/office/drawing/2010/main">
+                <a:solidFill>
+                  <a:srgbClr val="FFFFFF"/>
+                </a:solidFill>
+              </a14:hiddenFill>
+            </a:ext>
+          </a:extLst>
+        </p:spPr>
+      </p:pic>
     </p:spTree>
     <p:extLst>
       <p:ext uri="{BB962C8B-B14F-4D97-AF65-F5344CB8AC3E}">
-        <p14:creationId xmlns:p14="http://schemas.microsoft.com/office/powerpoint/2010/main" val="644451328"/>
+        <p14:creationId xmlns:p14="http://schemas.microsoft.com/office/powerpoint/2010/main" val="2420652126"/>
       </p:ext>
     </p:extLst>
   </p:cSld>
@@ -5036,116 +5455,6 @@
           <p:cNvPr id="2" name="Title 1">
             <a:extLst>
               <a:ext uri="{FF2B5EF4-FFF2-40B4-BE49-F238E27FC236}">
-                <a16:creationId xmlns:a16="http://schemas.microsoft.com/office/drawing/2014/main" id="{32155CCF-F93D-D17E-D57F-34657B2CB0E2}"/>
-              </a:ext>
-            </a:extLst>
-          </p:cNvPr>
-          <p:cNvSpPr>
-            <a:spLocks noGrp="1"/>
-          </p:cNvSpPr>
-          <p:nvPr>
-            <p:ph type="title"/>
-          </p:nvPr>
-        </p:nvSpPr>
-        <p:spPr/>
-        <p:txBody>
-          <a:bodyPr/>
-          <a:lstStyle/>
-          <a:p>
-            <a:r>
-              <a:rPr lang="en-AU" dirty="0"/>
-              <a:t>                               </a:t>
-            </a:r>
-            <a:r>
-              <a:rPr lang="en-AU" dirty="0" err="1"/>
-              <a:t>QUEstions</a:t>
-            </a:r>
-            <a:endParaRPr lang="en-AU" dirty="0"/>
-          </a:p>
-        </p:txBody>
-      </p:sp>
-      <p:pic>
-        <p:nvPicPr>
-          <p:cNvPr id="1026" name="Picture 2">
-            <a:extLst>
-              <a:ext uri="{FF2B5EF4-FFF2-40B4-BE49-F238E27FC236}">
-                <a16:creationId xmlns:a16="http://schemas.microsoft.com/office/drawing/2014/main" id="{00C5C44C-9F08-D6AB-0266-5564E0F7CE39}"/>
-              </a:ext>
-            </a:extLst>
-          </p:cNvPr>
-          <p:cNvPicPr>
-            <a:picLocks noChangeAspect="1" noChangeArrowheads="1"/>
-          </p:cNvPicPr>
-          <p:nvPr/>
-        </p:nvPicPr>
-        <p:blipFill>
-          <a:blip r:embed="rId2">
-            <a:extLst>
-              <a:ext uri="{28A0092B-C50C-407E-A947-70E740481C1C}">
-                <a14:useLocalDpi xmlns:a14="http://schemas.microsoft.com/office/drawing/2010/main" val="0"/>
-              </a:ext>
-            </a:extLst>
-          </a:blip>
-          <a:srcRect/>
-          <a:stretch>
-            <a:fillRect/>
-          </a:stretch>
-        </p:blipFill>
-        <p:spPr bwMode="auto">
-          <a:xfrm>
-            <a:off x="2332023" y="1938372"/>
-            <a:ext cx="7527953" cy="4115109"/>
-          </a:xfrm>
-          <a:prstGeom prst="rect">
-            <a:avLst/>
-          </a:prstGeom>
-          <a:noFill/>
-          <a:extLst>
-            <a:ext uri="{909E8E84-426E-40DD-AFC4-6F175D3DCCD1}">
-              <a14:hiddenFill xmlns:a14="http://schemas.microsoft.com/office/drawing/2010/main">
-                <a:solidFill>
-                  <a:srgbClr val="FFFFFF"/>
-                </a:solidFill>
-              </a14:hiddenFill>
-            </a:ext>
-          </a:extLst>
-        </p:spPr>
-      </p:pic>
-    </p:spTree>
-    <p:extLst>
-      <p:ext uri="{BB962C8B-B14F-4D97-AF65-F5344CB8AC3E}">
-        <p14:creationId xmlns:p14="http://schemas.microsoft.com/office/powerpoint/2010/main" val="2420652126"/>
-      </p:ext>
-    </p:extLst>
-  </p:cSld>
-  <p:clrMapOvr>
-    <a:masterClrMapping/>
-  </p:clrMapOvr>
-</p:sld>
-</file>
-
-<file path=ppt/slides/slide21.xml><?xml version="1.0" encoding="utf-8"?>
-<p:sld xmlns:a="http://schemas.openxmlformats.org/drawingml/2006/main" xmlns:r="http://schemas.openxmlformats.org/officeDocument/2006/relationships" xmlns:p="http://schemas.openxmlformats.org/presentationml/2006/main">
-  <p:cSld>
-    <p:spTree>
-      <p:nvGrpSpPr>
-        <p:cNvPr id="1" name=""/>
-        <p:cNvGrpSpPr/>
-        <p:nvPr/>
-      </p:nvGrpSpPr>
-      <p:grpSpPr>
-        <a:xfrm>
-          <a:off x="0" y="0"/>
-          <a:ext cx="0" cy="0"/>
-          <a:chOff x="0" y="0"/>
-          <a:chExt cx="0" cy="0"/>
-        </a:xfrm>
-      </p:grpSpPr>
-      <p:sp>
-        <p:nvSpPr>
-          <p:cNvPr id="2" name="Title 1">
-            <a:extLst>
-              <a:ext uri="{FF2B5EF4-FFF2-40B4-BE49-F238E27FC236}">
                 <a16:creationId xmlns:a16="http://schemas.microsoft.com/office/drawing/2014/main" id="{42AF3E85-803E-17E0-E7EE-B475CC5A4C51}"/>
               </a:ext>
             </a:extLst>
@@ -5576,12 +5885,6 @@
             <a:normAutofit/>
           </a:bodyPr>
           <a:lstStyle/>
-          <a:p>
-            <a:r>
-              <a:rPr lang="en-AU" sz="2000" dirty="0"/>
-              <a:t>Has changes in the Australian Economy affected the Population of Australia?</a:t>
-            </a:r>
-          </a:p>
           <a:p>
             <a:endParaRPr lang="en-AU" sz="2000" dirty="0"/>
           </a:p>

--- a/Final Powerpoint_Radhika.pptx
+++ b/Final Powerpoint_Radhika.pptx
@@ -23,8 +23,9 @@
     <p:sldId id="281" r:id="rId17"/>
     <p:sldId id="269" r:id="rId18"/>
     <p:sldId id="262" r:id="rId19"/>
-    <p:sldId id="263" r:id="rId20"/>
-    <p:sldId id="265" r:id="rId21"/>
+    <p:sldId id="285" r:id="rId20"/>
+    <p:sldId id="263" r:id="rId21"/>
+    <p:sldId id="265" r:id="rId22"/>
   </p:sldIdLst>
   <p:sldSz cx="12192000" cy="6858000"/>
   <p:notesSz cx="6858000" cy="9144000"/>
@@ -5174,6 +5175,279 @@
           <p:cNvPr id="2" name="Title 1">
             <a:extLst>
               <a:ext uri="{FF2B5EF4-FFF2-40B4-BE49-F238E27FC236}">
+                <a16:creationId xmlns:a16="http://schemas.microsoft.com/office/drawing/2014/main" id="{9738DEDC-E24B-C78B-8BEA-44DE4BFF657A}"/>
+              </a:ext>
+            </a:extLst>
+          </p:cNvPr>
+          <p:cNvSpPr>
+            <a:spLocks noGrp="1"/>
+          </p:cNvSpPr>
+          <p:nvPr>
+            <p:ph type="title"/>
+          </p:nvPr>
+        </p:nvSpPr>
+        <p:spPr/>
+        <p:txBody>
+          <a:bodyPr/>
+          <a:lstStyle/>
+          <a:p>
+            <a:r>
+              <a:rPr lang="en-US" dirty="0"/>
+              <a:t>Resources</a:t>
+            </a:r>
+            <a:endParaRPr lang="en-AU" dirty="0"/>
+          </a:p>
+        </p:txBody>
+      </p:sp>
+      <p:sp>
+        <p:nvSpPr>
+          <p:cNvPr id="3" name="Content Placeholder 2">
+            <a:extLst>
+              <a:ext uri="{FF2B5EF4-FFF2-40B4-BE49-F238E27FC236}">
+                <a16:creationId xmlns:a16="http://schemas.microsoft.com/office/drawing/2014/main" id="{8202598E-C1FF-44D6-F110-7397BE9B97AD}"/>
+              </a:ext>
+            </a:extLst>
+          </p:cNvPr>
+          <p:cNvSpPr>
+            <a:spLocks noGrp="1"/>
+          </p:cNvSpPr>
+          <p:nvPr>
+            <p:ph idx="1"/>
+          </p:nvPr>
+        </p:nvSpPr>
+        <p:spPr/>
+        <p:txBody>
+          <a:bodyPr/>
+          <a:lstStyle/>
+          <a:p>
+            <a:r>
+              <a:rPr lang="en-AU" dirty="0">
+                <a:hlinkClick r:id="rId2"/>
+              </a:rPr>
+              <a:t>https://www.abs.gov.au/</a:t>
+            </a:r>
+            <a:endParaRPr lang="en-AU" dirty="0"/>
+          </a:p>
+          <a:p>
+            <a:r>
+              <a:rPr lang="en-AU">
+                <a:hlinkClick r:id="rId3"/>
+              </a:rPr>
+              <a:t>https://pypi.org/project/wbgapi/</a:t>
+            </a:r>
+            <a:endParaRPr lang="en-AU"/>
+          </a:p>
+          <a:p>
+            <a:endParaRPr lang="en-AU"/>
+          </a:p>
+        </p:txBody>
+      </p:sp>
+    </p:spTree>
+    <p:extLst>
+      <p:ext uri="{BB962C8B-B14F-4D97-AF65-F5344CB8AC3E}">
+        <p14:creationId xmlns:p14="http://schemas.microsoft.com/office/powerpoint/2010/main" val="1761959057"/>
+      </p:ext>
+    </p:extLst>
+  </p:cSld>
+  <p:clrMapOvr>
+    <a:masterClrMapping/>
+  </p:clrMapOvr>
+</p:sld>
+</file>
+
+<file path=ppt/slides/slide2.xml><?xml version="1.0" encoding="utf-8"?>
+<p:sld xmlns:a="http://schemas.openxmlformats.org/drawingml/2006/main" xmlns:r="http://schemas.openxmlformats.org/officeDocument/2006/relationships" xmlns:p="http://schemas.openxmlformats.org/presentationml/2006/main">
+  <p:cSld>
+    <p:spTree>
+      <p:nvGrpSpPr>
+        <p:cNvPr id="1" name=""/>
+        <p:cNvGrpSpPr/>
+        <p:nvPr/>
+      </p:nvGrpSpPr>
+      <p:grpSpPr>
+        <a:xfrm>
+          <a:off x="0" y="0"/>
+          <a:ext cx="0" cy="0"/>
+          <a:chOff x="0" y="0"/>
+          <a:chExt cx="0" cy="0"/>
+        </a:xfrm>
+      </p:grpSpPr>
+      <p:sp>
+        <p:nvSpPr>
+          <p:cNvPr id="2" name="Title 1">
+            <a:extLst>
+              <a:ext uri="{FF2B5EF4-FFF2-40B4-BE49-F238E27FC236}">
+                <a16:creationId xmlns:a16="http://schemas.microsoft.com/office/drawing/2014/main" id="{CCE023D6-FD33-EDBE-9439-7BDEB225522C}"/>
+              </a:ext>
+            </a:extLst>
+          </p:cNvPr>
+          <p:cNvSpPr>
+            <a:spLocks noGrp="1"/>
+          </p:cNvSpPr>
+          <p:nvPr>
+            <p:ph type="title"/>
+          </p:nvPr>
+        </p:nvSpPr>
+        <p:spPr/>
+        <p:txBody>
+          <a:bodyPr/>
+          <a:lstStyle/>
+          <a:p>
+            <a:r>
+              <a:rPr lang="en-AU" dirty="0"/>
+              <a:t>introduction</a:t>
+            </a:r>
+          </a:p>
+        </p:txBody>
+      </p:sp>
+      <p:sp>
+        <p:nvSpPr>
+          <p:cNvPr id="3" name="Content Placeholder 2">
+            <a:extLst>
+              <a:ext uri="{FF2B5EF4-FFF2-40B4-BE49-F238E27FC236}">
+                <a16:creationId xmlns:a16="http://schemas.microsoft.com/office/drawing/2014/main" id="{D129F5EC-61D6-FD8C-63DF-F3A39A2FBA58}"/>
+              </a:ext>
+            </a:extLst>
+          </p:cNvPr>
+          <p:cNvSpPr>
+            <a:spLocks noGrp="1"/>
+          </p:cNvSpPr>
+          <p:nvPr>
+            <p:ph idx="1"/>
+          </p:nvPr>
+        </p:nvSpPr>
+        <p:spPr>
+          <a:xfrm>
+            <a:off x="1451579" y="2455352"/>
+            <a:ext cx="4873021" cy="2889535"/>
+          </a:xfrm>
+        </p:spPr>
+        <p:txBody>
+          <a:bodyPr>
+            <a:noAutofit/>
+          </a:bodyPr>
+          <a:lstStyle/>
+          <a:p>
+            <a:r>
+              <a:rPr lang="en-AU" sz="1200" dirty="0">
+                <a:latin typeface="Georgia" panose="02040502050405020303" pitchFamily="18" charset="0"/>
+              </a:rPr>
+              <a:t>The Outlook for the Australian Economy is changing and being driven by Covid-19 pandemic.</a:t>
+            </a:r>
+          </a:p>
+          <a:p>
+            <a:r>
+              <a:rPr lang="en-AU" sz="1200" dirty="0">
+                <a:latin typeface="Georgia" panose="02040502050405020303" pitchFamily="18" charset="0"/>
+              </a:rPr>
+              <a:t> The economic growth is forecast to be slower and inflation higher.</a:t>
+            </a:r>
+          </a:p>
+          <a:p>
+            <a:r>
+              <a:rPr lang="en-AU" sz="1200" dirty="0">
+                <a:latin typeface="Georgia" panose="02040502050405020303" pitchFamily="18" charset="0"/>
+              </a:rPr>
+              <a:t>We have looked at how the changes in Population has impacted the Economic Growth over a 10 Year Period.</a:t>
+            </a:r>
+          </a:p>
+          <a:p>
+            <a:r>
+              <a:rPr lang="en-AU" sz="1200" dirty="0">
+                <a:latin typeface="Georgia" panose="02040502050405020303" pitchFamily="18" charset="0"/>
+              </a:rPr>
+              <a:t>For the World, over the period of 1990-2015, the correlation between population growth and real GDP per capita, based on the World Bank Report 2017.</a:t>
+            </a:r>
+          </a:p>
+          <a:p>
+            <a:endParaRPr lang="en-AU" sz="1400" dirty="0">
+              <a:latin typeface="Georgia" panose="02040502050405020303" pitchFamily="18" charset="0"/>
+            </a:endParaRPr>
+          </a:p>
+        </p:txBody>
+      </p:sp>
+      <p:pic>
+        <p:nvPicPr>
+          <p:cNvPr id="2050" name="Picture 2">
+            <a:extLst>
+              <a:ext uri="{FF2B5EF4-FFF2-40B4-BE49-F238E27FC236}">
+                <a16:creationId xmlns:a16="http://schemas.microsoft.com/office/drawing/2014/main" id="{1E51C625-3DA0-A64B-2123-CFB9A19B2B9D}"/>
+              </a:ext>
+            </a:extLst>
+          </p:cNvPr>
+          <p:cNvPicPr>
+            <a:picLocks noChangeAspect="1" noChangeArrowheads="1"/>
+          </p:cNvPicPr>
+          <p:nvPr/>
+        </p:nvPicPr>
+        <p:blipFill>
+          <a:blip r:embed="rId2">
+            <a:extLst>
+              <a:ext uri="{28A0092B-C50C-407E-A947-70E740481C1C}">
+                <a14:useLocalDpi xmlns:a14="http://schemas.microsoft.com/office/drawing/2010/main" val="0"/>
+              </a:ext>
+            </a:extLst>
+          </a:blip>
+          <a:srcRect/>
+          <a:stretch>
+            <a:fillRect/>
+          </a:stretch>
+        </p:blipFill>
+        <p:spPr bwMode="auto">
+          <a:xfrm>
+            <a:off x="6559213" y="2347793"/>
+            <a:ext cx="4495641" cy="2997094"/>
+          </a:xfrm>
+          <a:prstGeom prst="rect">
+            <a:avLst/>
+          </a:prstGeom>
+          <a:noFill/>
+          <a:extLst>
+            <a:ext uri="{909E8E84-426E-40DD-AFC4-6F175D3DCCD1}">
+              <a14:hiddenFill xmlns:a14="http://schemas.microsoft.com/office/drawing/2010/main">
+                <a:solidFill>
+                  <a:srgbClr val="FFFFFF"/>
+                </a:solidFill>
+              </a14:hiddenFill>
+            </a:ext>
+          </a:extLst>
+        </p:spPr>
+      </p:pic>
+    </p:spTree>
+    <p:extLst>
+      <p:ext uri="{BB962C8B-B14F-4D97-AF65-F5344CB8AC3E}">
+        <p14:creationId xmlns:p14="http://schemas.microsoft.com/office/powerpoint/2010/main" val="791707164"/>
+      </p:ext>
+    </p:extLst>
+  </p:cSld>
+  <p:clrMapOvr>
+    <a:masterClrMapping/>
+  </p:clrMapOvr>
+</p:sld>
+</file>
+
+<file path=ppt/slides/slide20.xml><?xml version="1.0" encoding="utf-8"?>
+<p:sld xmlns:a="http://schemas.openxmlformats.org/drawingml/2006/main" xmlns:r="http://schemas.openxmlformats.org/officeDocument/2006/relationships" xmlns:p="http://schemas.openxmlformats.org/presentationml/2006/main">
+  <p:cSld>
+    <p:spTree>
+      <p:nvGrpSpPr>
+        <p:cNvPr id="1" name=""/>
+        <p:cNvGrpSpPr/>
+        <p:nvPr/>
+      </p:nvGrpSpPr>
+      <p:grpSpPr>
+        <a:xfrm>
+          <a:off x="0" y="0"/>
+          <a:ext cx="0" cy="0"/>
+          <a:chOff x="0" y="0"/>
+          <a:chExt cx="0" cy="0"/>
+        </a:xfrm>
+      </p:grpSpPr>
+      <p:sp>
+        <p:nvSpPr>
+          <p:cNvPr id="2" name="Title 1">
+            <a:extLst>
+              <a:ext uri="{FF2B5EF4-FFF2-40B4-BE49-F238E27FC236}">
                 <a16:creationId xmlns:a16="http://schemas.microsoft.com/office/drawing/2014/main" id="{32155CCF-F93D-D17E-D57F-34657B2CB0E2}"/>
               </a:ext>
             </a:extLst>
@@ -5262,178 +5536,7 @@
 </p:sld>
 </file>
 
-<file path=ppt/slides/slide2.xml><?xml version="1.0" encoding="utf-8"?>
-<p:sld xmlns:a="http://schemas.openxmlformats.org/drawingml/2006/main" xmlns:r="http://schemas.openxmlformats.org/officeDocument/2006/relationships" xmlns:p="http://schemas.openxmlformats.org/presentationml/2006/main">
-  <p:cSld>
-    <p:spTree>
-      <p:nvGrpSpPr>
-        <p:cNvPr id="1" name=""/>
-        <p:cNvGrpSpPr/>
-        <p:nvPr/>
-      </p:nvGrpSpPr>
-      <p:grpSpPr>
-        <a:xfrm>
-          <a:off x="0" y="0"/>
-          <a:ext cx="0" cy="0"/>
-          <a:chOff x="0" y="0"/>
-          <a:chExt cx="0" cy="0"/>
-        </a:xfrm>
-      </p:grpSpPr>
-      <p:sp>
-        <p:nvSpPr>
-          <p:cNvPr id="2" name="Title 1">
-            <a:extLst>
-              <a:ext uri="{FF2B5EF4-FFF2-40B4-BE49-F238E27FC236}">
-                <a16:creationId xmlns:a16="http://schemas.microsoft.com/office/drawing/2014/main" id="{CCE023D6-FD33-EDBE-9439-7BDEB225522C}"/>
-              </a:ext>
-            </a:extLst>
-          </p:cNvPr>
-          <p:cNvSpPr>
-            <a:spLocks noGrp="1"/>
-          </p:cNvSpPr>
-          <p:nvPr>
-            <p:ph type="title"/>
-          </p:nvPr>
-        </p:nvSpPr>
-        <p:spPr/>
-        <p:txBody>
-          <a:bodyPr/>
-          <a:lstStyle/>
-          <a:p>
-            <a:r>
-              <a:rPr lang="en-AU" dirty="0"/>
-              <a:t>introduction</a:t>
-            </a:r>
-          </a:p>
-        </p:txBody>
-      </p:sp>
-      <p:sp>
-        <p:nvSpPr>
-          <p:cNvPr id="3" name="Content Placeholder 2">
-            <a:extLst>
-              <a:ext uri="{FF2B5EF4-FFF2-40B4-BE49-F238E27FC236}">
-                <a16:creationId xmlns:a16="http://schemas.microsoft.com/office/drawing/2014/main" id="{D129F5EC-61D6-FD8C-63DF-F3A39A2FBA58}"/>
-              </a:ext>
-            </a:extLst>
-          </p:cNvPr>
-          <p:cNvSpPr>
-            <a:spLocks noGrp="1"/>
-          </p:cNvSpPr>
-          <p:nvPr>
-            <p:ph idx="1"/>
-          </p:nvPr>
-        </p:nvSpPr>
-        <p:spPr>
-          <a:xfrm>
-            <a:off x="1451579" y="2455352"/>
-            <a:ext cx="4873021" cy="2889535"/>
-          </a:xfrm>
-        </p:spPr>
-        <p:txBody>
-          <a:bodyPr>
-            <a:noAutofit/>
-          </a:bodyPr>
-          <a:lstStyle/>
-          <a:p>
-            <a:r>
-              <a:rPr lang="en-AU" sz="1200" dirty="0">
-                <a:latin typeface="Georgia" panose="02040502050405020303" pitchFamily="18" charset="0"/>
-              </a:rPr>
-              <a:t>The Outlook for the Australian Economy is changing and being driven by Covid-19 pandemic.</a:t>
-            </a:r>
-          </a:p>
-          <a:p>
-            <a:r>
-              <a:rPr lang="en-AU" sz="1200" dirty="0">
-                <a:latin typeface="Georgia" panose="02040502050405020303" pitchFamily="18" charset="0"/>
-              </a:rPr>
-              <a:t> The economic growth is forecast to be slower and inflation higher.</a:t>
-            </a:r>
-          </a:p>
-          <a:p>
-            <a:r>
-              <a:rPr lang="en-AU" sz="1200" dirty="0">
-                <a:latin typeface="Georgia" panose="02040502050405020303" pitchFamily="18" charset="0"/>
-              </a:rPr>
-              <a:t>We have looked at how the changes in Population has impacted the Economic Growth over a 10 Year Period.</a:t>
-            </a:r>
-          </a:p>
-          <a:p>
-            <a:r>
-              <a:rPr lang="en-AU" sz="1200" dirty="0">
-                <a:latin typeface="Georgia" panose="02040502050405020303" pitchFamily="18" charset="0"/>
-              </a:rPr>
-              <a:t>For the World, over the period of 1990-2015, the correlation between population growth and real GDP per capita, based on the World Bank Report 2017.</a:t>
-            </a:r>
-          </a:p>
-          <a:p>
-            <a:endParaRPr lang="en-AU" sz="1400" dirty="0">
-              <a:latin typeface="Georgia" panose="02040502050405020303" pitchFamily="18" charset="0"/>
-            </a:endParaRPr>
-          </a:p>
-        </p:txBody>
-      </p:sp>
-      <p:pic>
-        <p:nvPicPr>
-          <p:cNvPr id="2050" name="Picture 2">
-            <a:extLst>
-              <a:ext uri="{FF2B5EF4-FFF2-40B4-BE49-F238E27FC236}">
-                <a16:creationId xmlns:a16="http://schemas.microsoft.com/office/drawing/2014/main" id="{1E51C625-3DA0-A64B-2123-CFB9A19B2B9D}"/>
-              </a:ext>
-            </a:extLst>
-          </p:cNvPr>
-          <p:cNvPicPr>
-            <a:picLocks noChangeAspect="1" noChangeArrowheads="1"/>
-          </p:cNvPicPr>
-          <p:nvPr/>
-        </p:nvPicPr>
-        <p:blipFill>
-          <a:blip r:embed="rId2">
-            <a:extLst>
-              <a:ext uri="{28A0092B-C50C-407E-A947-70E740481C1C}">
-                <a14:useLocalDpi xmlns:a14="http://schemas.microsoft.com/office/drawing/2010/main" val="0"/>
-              </a:ext>
-            </a:extLst>
-          </a:blip>
-          <a:srcRect/>
-          <a:stretch>
-            <a:fillRect/>
-          </a:stretch>
-        </p:blipFill>
-        <p:spPr bwMode="auto">
-          <a:xfrm>
-            <a:off x="6559213" y="2347793"/>
-            <a:ext cx="4495641" cy="2997094"/>
-          </a:xfrm>
-          <a:prstGeom prst="rect">
-            <a:avLst/>
-          </a:prstGeom>
-          <a:noFill/>
-          <a:extLst>
-            <a:ext uri="{909E8E84-426E-40DD-AFC4-6F175D3DCCD1}">
-              <a14:hiddenFill xmlns:a14="http://schemas.microsoft.com/office/drawing/2010/main">
-                <a:solidFill>
-                  <a:srgbClr val="FFFFFF"/>
-                </a:solidFill>
-              </a14:hiddenFill>
-            </a:ext>
-          </a:extLst>
-        </p:spPr>
-      </p:pic>
-    </p:spTree>
-    <p:extLst>
-      <p:ext uri="{BB962C8B-B14F-4D97-AF65-F5344CB8AC3E}">
-        <p14:creationId xmlns:p14="http://schemas.microsoft.com/office/powerpoint/2010/main" val="791707164"/>
-      </p:ext>
-    </p:extLst>
-  </p:cSld>
-  <p:clrMapOvr>
-    <a:masterClrMapping/>
-  </p:clrMapOvr>
-</p:sld>
-</file>
-
-<file path=ppt/slides/slide20.xml><?xml version="1.0" encoding="utf-8"?>
+<file path=ppt/slides/slide21.xml><?xml version="1.0" encoding="utf-8"?>
 <p:sld xmlns:a="http://schemas.openxmlformats.org/drawingml/2006/main" xmlns:r="http://schemas.openxmlformats.org/officeDocument/2006/relationships" xmlns:p="http://schemas.openxmlformats.org/presentationml/2006/main">
   <p:cSld>
     <p:spTree>
